--- a/FBD.pptx
+++ b/FBD.pptx
@@ -655,7 +655,7 @@
           <a:p>
             <a:fld id="{1870F0E8-0843-4BFD-9E14-8611BA0237C2}" type="datetimeFigureOut">
               <a:rPr lang="en-US" smtClean="0"/>
-              <a:t>21-Feb-20</a:t>
+              <a:t>2/22/2020</a:t>
             </a:fld>
             <a:endParaRPr lang="en-US"/>
           </a:p>
@@ -825,7 +825,7 @@
           <a:p>
             <a:fld id="{1870F0E8-0843-4BFD-9E14-8611BA0237C2}" type="datetimeFigureOut">
               <a:rPr lang="en-US" smtClean="0"/>
-              <a:t>21-Feb-20</a:t>
+              <a:t>2/22/2020</a:t>
             </a:fld>
             <a:endParaRPr lang="en-US"/>
           </a:p>
@@ -1005,7 +1005,7 @@
           <a:p>
             <a:fld id="{1870F0E8-0843-4BFD-9E14-8611BA0237C2}" type="datetimeFigureOut">
               <a:rPr lang="en-US" smtClean="0"/>
-              <a:t>21-Feb-20</a:t>
+              <a:t>2/22/2020</a:t>
             </a:fld>
             <a:endParaRPr lang="en-US"/>
           </a:p>
@@ -1175,7 +1175,7 @@
           <a:p>
             <a:fld id="{1870F0E8-0843-4BFD-9E14-8611BA0237C2}" type="datetimeFigureOut">
               <a:rPr lang="en-US" smtClean="0"/>
-              <a:t>21-Feb-20</a:t>
+              <a:t>2/22/2020</a:t>
             </a:fld>
             <a:endParaRPr lang="en-US"/>
           </a:p>
@@ -1419,7 +1419,7 @@
           <a:p>
             <a:fld id="{1870F0E8-0843-4BFD-9E14-8611BA0237C2}" type="datetimeFigureOut">
               <a:rPr lang="en-US" smtClean="0"/>
-              <a:t>21-Feb-20</a:t>
+              <a:t>2/22/2020</a:t>
             </a:fld>
             <a:endParaRPr lang="en-US"/>
           </a:p>
@@ -1651,7 +1651,7 @@
           <a:p>
             <a:fld id="{1870F0E8-0843-4BFD-9E14-8611BA0237C2}" type="datetimeFigureOut">
               <a:rPr lang="en-US" smtClean="0"/>
-              <a:t>21-Feb-20</a:t>
+              <a:t>2/22/2020</a:t>
             </a:fld>
             <a:endParaRPr lang="en-US"/>
           </a:p>
@@ -2018,7 +2018,7 @@
           <a:p>
             <a:fld id="{1870F0E8-0843-4BFD-9E14-8611BA0237C2}" type="datetimeFigureOut">
               <a:rPr lang="en-US" smtClean="0"/>
-              <a:t>21-Feb-20</a:t>
+              <a:t>2/22/2020</a:t>
             </a:fld>
             <a:endParaRPr lang="en-US"/>
           </a:p>
@@ -2136,7 +2136,7 @@
           <a:p>
             <a:fld id="{1870F0E8-0843-4BFD-9E14-8611BA0237C2}" type="datetimeFigureOut">
               <a:rPr lang="en-US" smtClean="0"/>
-              <a:t>21-Feb-20</a:t>
+              <a:t>2/22/2020</a:t>
             </a:fld>
             <a:endParaRPr lang="en-US"/>
           </a:p>
@@ -2231,7 +2231,7 @@
           <a:p>
             <a:fld id="{1870F0E8-0843-4BFD-9E14-8611BA0237C2}" type="datetimeFigureOut">
               <a:rPr lang="en-US" smtClean="0"/>
-              <a:t>21-Feb-20</a:t>
+              <a:t>2/22/2020</a:t>
             </a:fld>
             <a:endParaRPr lang="en-US"/>
           </a:p>
@@ -2508,7 +2508,7 @@
           <a:p>
             <a:fld id="{1870F0E8-0843-4BFD-9E14-8611BA0237C2}" type="datetimeFigureOut">
               <a:rPr lang="en-US" smtClean="0"/>
-              <a:t>21-Feb-20</a:t>
+              <a:t>2/22/2020</a:t>
             </a:fld>
             <a:endParaRPr lang="en-US"/>
           </a:p>
@@ -2765,7 +2765,7 @@
           <a:p>
             <a:fld id="{1870F0E8-0843-4BFD-9E14-8611BA0237C2}" type="datetimeFigureOut">
               <a:rPr lang="en-US" smtClean="0"/>
-              <a:t>21-Feb-20</a:t>
+              <a:t>2/22/2020</a:t>
             </a:fld>
             <a:endParaRPr lang="en-US"/>
           </a:p>
@@ -2978,7 +2978,7 @@
           <a:p>
             <a:fld id="{1870F0E8-0843-4BFD-9E14-8611BA0237C2}" type="datetimeFigureOut">
               <a:rPr lang="en-US" smtClean="0"/>
-              <a:t>21-Feb-20</a:t>
+              <a:t>2/22/2020</a:t>
             </a:fld>
             <a:endParaRPr lang="en-US"/>
           </a:p>

--- a/FBD.pptx
+++ b/FBD.pptx
@@ -655,7 +655,7 @@
           <a:p>
             <a:fld id="{1870F0E8-0843-4BFD-9E14-8611BA0237C2}" type="datetimeFigureOut">
               <a:rPr lang="en-US" smtClean="0"/>
-              <a:t>2/22/2020</a:t>
+              <a:t>2/26/2020</a:t>
             </a:fld>
             <a:endParaRPr lang="en-US"/>
           </a:p>
@@ -825,7 +825,7 @@
           <a:p>
             <a:fld id="{1870F0E8-0843-4BFD-9E14-8611BA0237C2}" type="datetimeFigureOut">
               <a:rPr lang="en-US" smtClean="0"/>
-              <a:t>2/22/2020</a:t>
+              <a:t>2/26/2020</a:t>
             </a:fld>
             <a:endParaRPr lang="en-US"/>
           </a:p>
@@ -1005,7 +1005,7 @@
           <a:p>
             <a:fld id="{1870F0E8-0843-4BFD-9E14-8611BA0237C2}" type="datetimeFigureOut">
               <a:rPr lang="en-US" smtClean="0"/>
-              <a:t>2/22/2020</a:t>
+              <a:t>2/26/2020</a:t>
             </a:fld>
             <a:endParaRPr lang="en-US"/>
           </a:p>
@@ -1175,7 +1175,7 @@
           <a:p>
             <a:fld id="{1870F0E8-0843-4BFD-9E14-8611BA0237C2}" type="datetimeFigureOut">
               <a:rPr lang="en-US" smtClean="0"/>
-              <a:t>2/22/2020</a:t>
+              <a:t>2/26/2020</a:t>
             </a:fld>
             <a:endParaRPr lang="en-US"/>
           </a:p>
@@ -1419,7 +1419,7 @@
           <a:p>
             <a:fld id="{1870F0E8-0843-4BFD-9E14-8611BA0237C2}" type="datetimeFigureOut">
               <a:rPr lang="en-US" smtClean="0"/>
-              <a:t>2/22/2020</a:t>
+              <a:t>2/26/2020</a:t>
             </a:fld>
             <a:endParaRPr lang="en-US"/>
           </a:p>
@@ -1651,7 +1651,7 @@
           <a:p>
             <a:fld id="{1870F0E8-0843-4BFD-9E14-8611BA0237C2}" type="datetimeFigureOut">
               <a:rPr lang="en-US" smtClean="0"/>
-              <a:t>2/22/2020</a:t>
+              <a:t>2/26/2020</a:t>
             </a:fld>
             <a:endParaRPr lang="en-US"/>
           </a:p>
@@ -2018,7 +2018,7 @@
           <a:p>
             <a:fld id="{1870F0E8-0843-4BFD-9E14-8611BA0237C2}" type="datetimeFigureOut">
               <a:rPr lang="en-US" smtClean="0"/>
-              <a:t>2/22/2020</a:t>
+              <a:t>2/26/2020</a:t>
             </a:fld>
             <a:endParaRPr lang="en-US"/>
           </a:p>
@@ -2136,7 +2136,7 @@
           <a:p>
             <a:fld id="{1870F0E8-0843-4BFD-9E14-8611BA0237C2}" type="datetimeFigureOut">
               <a:rPr lang="en-US" smtClean="0"/>
-              <a:t>2/22/2020</a:t>
+              <a:t>2/26/2020</a:t>
             </a:fld>
             <a:endParaRPr lang="en-US"/>
           </a:p>
@@ -2231,7 +2231,7 @@
           <a:p>
             <a:fld id="{1870F0E8-0843-4BFD-9E14-8611BA0237C2}" type="datetimeFigureOut">
               <a:rPr lang="en-US" smtClean="0"/>
-              <a:t>2/22/2020</a:t>
+              <a:t>2/26/2020</a:t>
             </a:fld>
             <a:endParaRPr lang="en-US"/>
           </a:p>
@@ -2508,7 +2508,7 @@
           <a:p>
             <a:fld id="{1870F0E8-0843-4BFD-9E14-8611BA0237C2}" type="datetimeFigureOut">
               <a:rPr lang="en-US" smtClean="0"/>
-              <a:t>2/22/2020</a:t>
+              <a:t>2/26/2020</a:t>
             </a:fld>
             <a:endParaRPr lang="en-US"/>
           </a:p>
@@ -2765,7 +2765,7 @@
           <a:p>
             <a:fld id="{1870F0E8-0843-4BFD-9E14-8611BA0237C2}" type="datetimeFigureOut">
               <a:rPr lang="en-US" smtClean="0"/>
-              <a:t>2/22/2020</a:t>
+              <a:t>2/26/2020</a:t>
             </a:fld>
             <a:endParaRPr lang="en-US"/>
           </a:p>
@@ -2978,7 +2978,7 @@
           <a:p>
             <a:fld id="{1870F0E8-0843-4BFD-9E14-8611BA0237C2}" type="datetimeFigureOut">
               <a:rPr lang="en-US" smtClean="0"/>
-              <a:t>2/22/2020</a:t>
+              <a:t>2/26/2020</a:t>
             </a:fld>
             <a:endParaRPr lang="en-US"/>
           </a:p>
@@ -9038,7 +9038,8 @@
             <a:solidFill>
               <a:srgbClr val="C00000"/>
             </a:solidFill>
-            <a:headEnd type="triangle" w="sm" len="sm"/>
+            <a:headEnd type="none" w="med" len="med"/>
+            <a:tailEnd type="none" w="med" len="med"/>
           </a:ln>
         </p:spPr>
         <p:style>
@@ -9668,8 +9669,8 @@
         </p:nvCxnSpPr>
         <p:spPr>
           <a:xfrm flipV="1">
-            <a:off x="3429112" y="4637603"/>
-            <a:ext cx="3479113" cy="2027997"/>
+            <a:off x="3429112" y="4704077"/>
+            <a:ext cx="3365074" cy="1961524"/>
           </a:xfrm>
           <a:prstGeom prst="line">
             <a:avLst/>
@@ -10226,7 +10227,7 @@
             <a:solidFill>
               <a:srgbClr val="C00000"/>
             </a:solidFill>
-            <a:headEnd type="triangle" w="sm" len="sm"/>
+            <a:headEnd type="none" w="med" len="med"/>
             <a:tailEnd type="none" w="med" len="med"/>
           </a:ln>
         </p:spPr>
@@ -10267,7 +10268,7 @@
         </p:nvSpPr>
         <p:spPr>
           <a:xfrm>
-            <a:off x="5231992" y="5475627"/>
+            <a:off x="5228575" y="5523165"/>
             <a:ext cx="386663" cy="425497"/>
           </a:xfrm>
           <a:prstGeom prst="rect">
@@ -11408,8 +11409,8 @@
         </p:nvSpPr>
         <p:spPr>
           <a:xfrm>
-            <a:off x="1069288" y="5382866"/>
-            <a:ext cx="1698406" cy="784830"/>
+            <a:off x="1734030" y="5509887"/>
+            <a:ext cx="1698406" cy="323165"/>
           </a:xfrm>
           <a:prstGeom prst="rect">
             <a:avLst/>
@@ -11424,43 +11425,8 @@
           <a:p>
             <a:r>
               <a:rPr lang="en-US" sz="1500" dirty="0"/>
-              <a:t>side view </a:t>
-            </a:r>
-          </a:p>
-          <a:p>
-            <a:r>
-              <a:rPr lang="en-US" sz="1500" dirty="0"/>
-              <a:t>(without </a:t>
-            </a:r>
-            <a:r>
-              <a:rPr lang="en-US" sz="1500" dirty="0">
-                <a:solidFill>
-                  <a:schemeClr val="accent2"/>
-                </a:solidFill>
-              </a:rPr>
-              <a:t>q(</a:t>
-            </a:r>
-            <a:r>
-              <a:rPr lang="en-US" sz="1500" dirty="0" err="1">
-                <a:solidFill>
-                  <a:schemeClr val="accent2"/>
-                </a:solidFill>
-              </a:rPr>
-              <a:t>x,y</a:t>
-            </a:r>
-            <a:r>
-              <a:rPr lang="en-US" sz="1500" dirty="0">
-                <a:solidFill>
-                  <a:schemeClr val="accent2"/>
-                </a:solidFill>
-              </a:rPr>
-              <a:t>) </a:t>
-            </a:r>
-            <a:r>
-              <a:rPr lang="en-US" sz="1500" dirty="0"/>
-              <a:t>load for simplicity):</a:t>
-            </a:r>
-            <a:endParaRPr lang="en-US" sz="1350" dirty="0"/>
+              <a:t>side view :</a:t>
+            </a:r>
           </a:p>
         </p:txBody>
       </p:sp>
@@ -11566,7 +11532,7 @@
         </p:nvSpPr>
         <p:spPr>
           <a:xfrm>
-            <a:off x="4561433" y="5244691"/>
+            <a:off x="4541428" y="5256840"/>
             <a:ext cx="1041557" cy="307777"/>
           </a:xfrm>
           <a:prstGeom prst="rect">
@@ -11848,6 +11814,359 @@
               <a:t>a</a:t>
             </a:r>
             <a:endParaRPr lang="en-US" sz="1350" dirty="0"/>
+          </a:p>
+        </p:txBody>
+      </p:sp>
+      <p:cxnSp>
+        <p:nvCxnSpPr>
+          <p:cNvPr id="10" name="Straight Arrow Connector 9">
+            <a:extLst>
+              <a:ext uri="{FF2B5EF4-FFF2-40B4-BE49-F238E27FC236}">
+                <a16:creationId xmlns:a16="http://schemas.microsoft.com/office/drawing/2014/main" id="{1C27B978-ABF1-4454-9F29-7414D5BC76EC}"/>
+              </a:ext>
+            </a:extLst>
+          </p:cNvPr>
+          <p:cNvCxnSpPr>
+            <a:cxnSpLocks/>
+          </p:cNvCxnSpPr>
+          <p:nvPr/>
+        </p:nvCxnSpPr>
+        <p:spPr>
+          <a:xfrm>
+            <a:off x="4930842" y="4571779"/>
+            <a:ext cx="318525" cy="572303"/>
+          </a:xfrm>
+          <a:prstGeom prst="straightConnector1">
+            <a:avLst/>
+          </a:prstGeom>
+          <a:ln w="12700">
+            <a:solidFill>
+              <a:schemeClr val="accent2"/>
+            </a:solidFill>
+            <a:tailEnd type="triangle"/>
+          </a:ln>
+        </p:spPr>
+        <p:style>
+          <a:lnRef idx="1">
+            <a:schemeClr val="accent1"/>
+          </a:lnRef>
+          <a:fillRef idx="0">
+            <a:schemeClr val="accent1"/>
+          </a:fillRef>
+          <a:effectRef idx="0">
+            <a:schemeClr val="accent1"/>
+          </a:effectRef>
+          <a:fontRef idx="minor">
+            <a:schemeClr val="tx1"/>
+          </a:fontRef>
+        </p:style>
+      </p:cxnSp>
+      <p:sp>
+        <p:nvSpPr>
+          <p:cNvPr id="180" name="TextBox 179">
+            <a:extLst>
+              <a:ext uri="{FF2B5EF4-FFF2-40B4-BE49-F238E27FC236}">
+                <a16:creationId xmlns:a16="http://schemas.microsoft.com/office/drawing/2014/main" id="{9C66F178-3B85-41C5-B95E-F73E385A9AC8}"/>
+              </a:ext>
+            </a:extLst>
+          </p:cNvPr>
+          <p:cNvSpPr txBox="1"/>
+          <p:nvPr/>
+        </p:nvSpPr>
+        <p:spPr>
+          <a:xfrm>
+            <a:off x="4973095" y="4421515"/>
+            <a:ext cx="2391341" cy="369332"/>
+          </a:xfrm>
+          <a:prstGeom prst="rect">
+            <a:avLst/>
+          </a:prstGeom>
+          <a:noFill/>
+          <a:ln>
+            <a:noFill/>
+          </a:ln>
+        </p:spPr>
+        <p:txBody>
+          <a:bodyPr wrap="square" rtlCol="0">
+            <a:spAutoFit/>
+          </a:bodyPr>
+          <a:lstStyle/>
+          <a:p>
+            <a:r>
+              <a:rPr lang="en-US" i="1" dirty="0">
+                <a:solidFill>
+                  <a:schemeClr val="accent2"/>
+                </a:solidFill>
+              </a:rPr>
+              <a:t>q(</a:t>
+            </a:r>
+            <a:r>
+              <a:rPr lang="en-US" i="1" dirty="0" err="1">
+                <a:solidFill>
+                  <a:schemeClr val="accent2"/>
+                </a:solidFill>
+              </a:rPr>
+              <a:t>x,z</a:t>
+            </a:r>
+            <a:r>
+              <a:rPr lang="en-US" i="1" dirty="0">
+                <a:solidFill>
+                  <a:schemeClr val="accent2"/>
+                </a:solidFill>
+              </a:rPr>
+              <a:t>)</a:t>
+            </a:r>
+            <a:r>
+              <a:rPr lang="en-US" i="1" dirty="0"/>
+              <a:t>: distributed load</a:t>
+            </a:r>
+          </a:p>
+        </p:txBody>
+      </p:sp>
+      <p:cxnSp>
+        <p:nvCxnSpPr>
+          <p:cNvPr id="181" name="Straight Connector 180">
+            <a:extLst>
+              <a:ext uri="{FF2B5EF4-FFF2-40B4-BE49-F238E27FC236}">
+                <a16:creationId xmlns:a16="http://schemas.microsoft.com/office/drawing/2014/main" id="{2F025CD6-4F0D-462E-8E46-8F28710F4068}"/>
+              </a:ext>
+            </a:extLst>
+          </p:cNvPr>
+          <p:cNvCxnSpPr>
+            <a:cxnSpLocks/>
+          </p:cNvCxnSpPr>
+          <p:nvPr/>
+        </p:nvCxnSpPr>
+        <p:spPr>
+          <a:xfrm>
+            <a:off x="5253558" y="5150097"/>
+            <a:ext cx="184136" cy="341348"/>
+          </a:xfrm>
+          <a:prstGeom prst="line">
+            <a:avLst/>
+          </a:prstGeom>
+          <a:ln>
+            <a:solidFill>
+              <a:schemeClr val="tx1"/>
+            </a:solidFill>
+            <a:prstDash val="dash"/>
+            <a:headEnd w="sm" len="sm"/>
+            <a:tailEnd w="sm" len="sm"/>
+          </a:ln>
+        </p:spPr>
+        <p:style>
+          <a:lnRef idx="1">
+            <a:schemeClr val="accent1"/>
+          </a:lnRef>
+          <a:fillRef idx="0">
+            <a:schemeClr val="accent1"/>
+          </a:fillRef>
+          <a:effectRef idx="0">
+            <a:schemeClr val="accent1"/>
+          </a:effectRef>
+          <a:fontRef idx="minor">
+            <a:schemeClr val="tx1"/>
+          </a:fontRef>
+        </p:style>
+      </p:cxnSp>
+      <p:sp>
+        <p:nvSpPr>
+          <p:cNvPr id="16" name="L-Shape 15">
+            <a:extLst>
+              <a:ext uri="{FF2B5EF4-FFF2-40B4-BE49-F238E27FC236}">
+                <a16:creationId xmlns:a16="http://schemas.microsoft.com/office/drawing/2014/main" id="{FD622567-C01B-4AB0-9F9B-96E478D9A5C7}"/>
+              </a:ext>
+            </a:extLst>
+          </p:cNvPr>
+          <p:cNvSpPr/>
+          <p:nvPr/>
+        </p:nvSpPr>
+        <p:spPr>
+          <a:xfrm rot="9240834">
+            <a:off x="5417323" y="5423671"/>
+            <a:ext cx="57734" cy="59294"/>
+          </a:xfrm>
+          <a:prstGeom prst="corner">
+            <a:avLst>
+              <a:gd name="adj1" fmla="val 0"/>
+              <a:gd name="adj2" fmla="val 0"/>
+            </a:avLst>
+          </a:prstGeom>
+          <a:ln w="6350">
+            <a:solidFill>
+              <a:schemeClr val="tx1"/>
+            </a:solidFill>
+          </a:ln>
+        </p:spPr>
+        <p:style>
+          <a:lnRef idx="2">
+            <a:schemeClr val="accent1">
+              <a:shade val="50000"/>
+            </a:schemeClr>
+          </a:lnRef>
+          <a:fillRef idx="1">
+            <a:schemeClr val="accent1"/>
+          </a:fillRef>
+          <a:effectRef idx="0">
+            <a:schemeClr val="accent1"/>
+          </a:effectRef>
+          <a:fontRef idx="minor">
+            <a:schemeClr val="lt1"/>
+          </a:fontRef>
+        </p:style>
+        <p:txBody>
+          <a:bodyPr rtlCol="0" anchor="ctr"/>
+          <a:lstStyle/>
+          <a:p>
+            <a:pPr algn="ctr"/>
+            <a:endParaRPr lang="en-SG"/>
+          </a:p>
+        </p:txBody>
+      </p:sp>
+      <p:sp>
+        <p:nvSpPr>
+          <p:cNvPr id="3" name="Arc 2">
+            <a:extLst>
+              <a:ext uri="{FF2B5EF4-FFF2-40B4-BE49-F238E27FC236}">
+                <a16:creationId xmlns:a16="http://schemas.microsoft.com/office/drawing/2014/main" id="{65937196-3A1C-4801-9E72-EC12A7B14C1C}"/>
+              </a:ext>
+            </a:extLst>
+          </p:cNvPr>
+          <p:cNvSpPr/>
+          <p:nvPr/>
+        </p:nvSpPr>
+        <p:spPr>
+          <a:xfrm rot="12836401">
+            <a:off x="2836229" y="4728919"/>
+            <a:ext cx="1149450" cy="1493415"/>
+          </a:xfrm>
+          <a:prstGeom prst="arc">
+            <a:avLst/>
+          </a:prstGeom>
+          <a:ln w="19050">
+            <a:solidFill>
+              <a:srgbClr val="002060"/>
+            </a:solidFill>
+            <a:headEnd type="none" w="med" len="med"/>
+            <a:tailEnd type="triangle" w="med" len="med"/>
+          </a:ln>
+        </p:spPr>
+        <p:style>
+          <a:lnRef idx="1">
+            <a:schemeClr val="accent1"/>
+          </a:lnRef>
+          <a:fillRef idx="0">
+            <a:schemeClr val="accent1"/>
+          </a:fillRef>
+          <a:effectRef idx="0">
+            <a:schemeClr val="accent1"/>
+          </a:effectRef>
+          <a:fontRef idx="minor">
+            <a:schemeClr val="tx1"/>
+          </a:fontRef>
+        </p:style>
+        <p:txBody>
+          <a:bodyPr rtlCol="0" anchor="ctr"/>
+          <a:lstStyle/>
+          <a:p>
+            <a:pPr algn="ctr"/>
+            <a:endParaRPr lang="en-SG"/>
+          </a:p>
+        </p:txBody>
+      </p:sp>
+      <p:sp>
+        <p:nvSpPr>
+          <p:cNvPr id="182" name="TextBox 181">
+            <a:extLst>
+              <a:ext uri="{FF2B5EF4-FFF2-40B4-BE49-F238E27FC236}">
+                <a16:creationId xmlns:a16="http://schemas.microsoft.com/office/drawing/2014/main" id="{A7C02CE5-EB1E-4533-8EDD-EFB439727425}"/>
+              </a:ext>
+            </a:extLst>
+          </p:cNvPr>
+          <p:cNvSpPr txBox="1"/>
+          <p:nvPr/>
+        </p:nvSpPr>
+        <p:spPr>
+          <a:xfrm>
+            <a:off x="2328653" y="4887351"/>
+            <a:ext cx="769885" cy="300082"/>
+          </a:xfrm>
+          <a:prstGeom prst="rect">
+            <a:avLst/>
+          </a:prstGeom>
+          <a:noFill/>
+        </p:spPr>
+        <p:txBody>
+          <a:bodyPr wrap="square" rtlCol="0">
+            <a:spAutoFit/>
+          </a:bodyPr>
+          <a:lstStyle/>
+          <a:p>
+            <a:r>
+              <a:rPr lang="en-SG" sz="1350" dirty="0">
+                <a:solidFill>
+                  <a:srgbClr val="002060"/>
+                </a:solidFill>
+              </a:rPr>
+              <a:t>Twist, </a:t>
+            </a:r>
+            <a:r>
+              <a:rPr lang="el-GR" sz="1350" dirty="0">
+                <a:solidFill>
+                  <a:srgbClr val="002060"/>
+                </a:solidFill>
+              </a:rPr>
+              <a:t>θ</a:t>
+            </a:r>
+            <a:endParaRPr lang="en-US" sz="1350" dirty="0">
+              <a:solidFill>
+                <a:srgbClr val="002060"/>
+              </a:solidFill>
+            </a:endParaRPr>
+          </a:p>
+        </p:txBody>
+      </p:sp>
+      <p:sp>
+        <p:nvSpPr>
+          <p:cNvPr id="209" name="TextBox 208">
+            <a:extLst>
+              <a:ext uri="{FF2B5EF4-FFF2-40B4-BE49-F238E27FC236}">
+                <a16:creationId xmlns:a16="http://schemas.microsoft.com/office/drawing/2014/main" id="{BFB2C3A7-268A-45BE-8EAD-069E2120A4AD}"/>
+              </a:ext>
+            </a:extLst>
+          </p:cNvPr>
+          <p:cNvSpPr txBox="1"/>
+          <p:nvPr/>
+        </p:nvSpPr>
+        <p:spPr>
+          <a:xfrm>
+            <a:off x="2619441" y="5155865"/>
+            <a:ext cx="769885" cy="300082"/>
+          </a:xfrm>
+          <a:prstGeom prst="rect">
+            <a:avLst/>
+          </a:prstGeom>
+          <a:noFill/>
+        </p:spPr>
+        <p:txBody>
+          <a:bodyPr wrap="square" rtlCol="0">
+            <a:spAutoFit/>
+          </a:bodyPr>
+          <a:lstStyle/>
+          <a:p>
+            <a:r>
+              <a:rPr lang="en-SG" sz="1350" dirty="0">
+                <a:solidFill>
+                  <a:srgbClr val="002060"/>
+                </a:solidFill>
+              </a:rPr>
+              <a:t>+</a:t>
+            </a:r>
+            <a:endParaRPr lang="en-US" sz="1350" dirty="0">
+              <a:solidFill>
+                <a:srgbClr val="002060"/>
+              </a:solidFill>
+            </a:endParaRPr>
           </a:p>
         </p:txBody>
       </p:sp>
